--- a/ADS-Fall2018/ADS Workshop Baseball Group.pptx
+++ b/ADS-Fall2018/ADS Workshop Baseball Group.pptx
@@ -693,7 +693,106 @@
       </p:grpSpPr>
       <p:sp>
         <p:nvSpPr>
-          <p:cNvPr id="51" name="Google Shape;51;g463fbb947d_2_13:notes"/>
+          <p:cNvPr id="51" name="Google Shape;51;p:notes"/>
+          <p:cNvSpPr/>
+          <p:nvPr>
+            <p:ph idx="2" type="sldImg"/>
+          </p:nvPr>
+        </p:nvSpPr>
+        <p:spPr>
+          <a:xfrm>
+            <a:off x="381300" y="685800"/>
+            <a:ext cx="6096075" cy="3429000"/>
+          </a:xfrm>
+          <a:custGeom>
+            <a:rect b="b" l="l" r="r" t="t"/>
+            <a:pathLst>
+              <a:path extrusionOk="0" h="120000" w="120000">
+                <a:moveTo>
+                  <a:pt x="0" y="0"/>
+                </a:moveTo>
+                <a:lnTo>
+                  <a:pt x="120000" y="0"/>
+                </a:lnTo>
+                <a:lnTo>
+                  <a:pt x="120000" y="120000"/>
+                </a:lnTo>
+                <a:lnTo>
+                  <a:pt x="0" y="120000"/>
+                </a:lnTo>
+                <a:close/>
+              </a:path>
+            </a:pathLst>
+          </a:custGeom>
+        </p:spPr>
+      </p:sp>
+      <p:sp>
+        <p:nvSpPr>
+          <p:cNvPr id="52" name="Google Shape;52;p:notes"/>
+          <p:cNvSpPr txBox="1"/>
+          <p:nvPr>
+            <p:ph idx="1" type="body"/>
+          </p:nvPr>
+        </p:nvSpPr>
+        <p:spPr>
+          <a:xfrm>
+            <a:off x="685800" y="4343400"/>
+            <a:ext cx="5486400" cy="4114800"/>
+          </a:xfrm>
+          <a:prstGeom prst="rect">
+            <a:avLst/>
+          </a:prstGeom>
+        </p:spPr>
+        <p:txBody>
+          <a:bodyPr anchorCtr="0" anchor="t" bIns="91425" lIns="91425" spcFirstLastPara="1" rIns="91425" wrap="square" tIns="91425">
+            <a:noAutofit/>
+          </a:bodyPr>
+          <a:lstStyle/>
+          <a:p>
+            <a:pPr indent="0" lvl="0" marL="0" rtl="0" algn="l">
+              <a:spcBef>
+                <a:spcPts val="0"/>
+              </a:spcBef>
+              <a:spcAft>
+                <a:spcPts val="0"/>
+              </a:spcAft>
+              <a:buNone/>
+            </a:pPr>
+            <a:r>
+              <a:t/>
+            </a:r>
+            <a:endParaRPr/>
+          </a:p>
+        </p:txBody>
+      </p:sp>
+    </p:spTree>
+  </p:cSld>
+  <p:clrMapOvr>
+    <a:masterClrMapping/>
+  </p:clrMapOvr>
+</p:notes>
+</file>
+
+<file path=ppt/notesSlides/notesSlide2.xml><?xml version="1.0" encoding="utf-8"?>
+<p:notes xmlns:a="http://schemas.openxmlformats.org/drawingml/2006/main" xmlns:r="http://schemas.openxmlformats.org/officeDocument/2006/relationships" xmlns:mc="http://schemas.openxmlformats.org/markup-compatibility/2006" xmlns:mv="urn:schemas-microsoft-com:mac:vml" xmlns:p="http://schemas.openxmlformats.org/presentationml/2006/main" xmlns:c="http://schemas.openxmlformats.org/drawingml/2006/chart" xmlns:dgm="http://schemas.openxmlformats.org/drawingml/2006/diagram" xmlns:o="urn:schemas-microsoft-com:office:office" xmlns:v="urn:schemas-microsoft-com:vml" xmlns:pvml="urn:schemas-microsoft-com:office:powerpoint" xmlns:com="http://schemas.openxmlformats.org/drawingml/2006/compatibility" xmlns:p14="http://schemas.microsoft.com/office/powerpoint/2010/main" xmlns:p15="http://schemas.microsoft.com/office/powerpoint/2012/main" showMasterPhAnim="0" showMasterSp="0">
+  <p:cSld>
+    <p:spTree>
+      <p:nvGrpSpPr>
+        <p:cNvPr id="62" name="Shape 62"/>
+        <p:cNvGrpSpPr/>
+        <p:nvPr/>
+      </p:nvGrpSpPr>
+      <p:grpSpPr>
+        <a:xfrm>
+          <a:off x="0" y="0"/>
+          <a:ext cx="0" cy="0"/>
+          <a:chOff x="0" y="0"/>
+          <a:chExt cx="0" cy="0"/>
+        </a:xfrm>
+      </p:grpSpPr>
+      <p:sp>
+        <p:nvSpPr>
+          <p:cNvPr id="63" name="Google Shape;63;g463fbb947d_1_15:notes"/>
           <p:cNvSpPr/>
           <p:nvPr>
             <p:ph idx="2" type="sldImg"/>
@@ -728,7 +827,7 @@
       </p:sp>
       <p:sp>
         <p:nvSpPr>
-          <p:cNvPr id="52" name="Google Shape;52;g463fbb947d_2_13:notes"/>
+          <p:cNvPr id="64" name="Google Shape;64;g463fbb947d_1_15:notes"/>
           <p:cNvSpPr txBox="1"/>
           <p:nvPr>
             <p:ph idx="1" type="body"/>
@@ -773,12 +872,12 @@
 </p:notes>
 </file>
 
-<file path=ppt/notesSlides/notesSlide2.xml><?xml version="1.0" encoding="utf-8"?>
+<file path=ppt/notesSlides/notesSlide3.xml><?xml version="1.0" encoding="utf-8"?>
 <p:notes xmlns:a="http://schemas.openxmlformats.org/drawingml/2006/main" xmlns:r="http://schemas.openxmlformats.org/officeDocument/2006/relationships" xmlns:mc="http://schemas.openxmlformats.org/markup-compatibility/2006" xmlns:mv="urn:schemas-microsoft-com:mac:vml" xmlns:p="http://schemas.openxmlformats.org/presentationml/2006/main" xmlns:c="http://schemas.openxmlformats.org/drawingml/2006/chart" xmlns:dgm="http://schemas.openxmlformats.org/drawingml/2006/diagram" xmlns:o="urn:schemas-microsoft-com:office:office" xmlns:v="urn:schemas-microsoft-com:vml" xmlns:pvml="urn:schemas-microsoft-com:office:powerpoint" xmlns:com="http://schemas.openxmlformats.org/drawingml/2006/compatibility" xmlns:p14="http://schemas.microsoft.com/office/powerpoint/2010/main" xmlns:p15="http://schemas.microsoft.com/office/powerpoint/2012/main" showMasterPhAnim="0" showMasterSp="0">
   <p:cSld>
     <p:spTree>
       <p:nvGrpSpPr>
-        <p:cNvPr id="55" name="Shape 55"/>
+        <p:cNvPr id="72" name="Shape 72"/>
         <p:cNvGrpSpPr/>
         <p:nvPr/>
       </p:nvGrpSpPr>
@@ -792,106 +891,7 @@
       </p:grpSpPr>
       <p:sp>
         <p:nvSpPr>
-          <p:cNvPr id="56" name="Google Shape;56;p:notes"/>
-          <p:cNvSpPr/>
-          <p:nvPr>
-            <p:ph idx="2" type="sldImg"/>
-          </p:nvPr>
-        </p:nvSpPr>
-        <p:spPr>
-          <a:xfrm>
-            <a:off x="381300" y="685800"/>
-            <a:ext cx="6096075" cy="3429000"/>
-          </a:xfrm>
-          <a:custGeom>
-            <a:rect b="b" l="l" r="r" t="t"/>
-            <a:pathLst>
-              <a:path extrusionOk="0" h="120000" w="120000">
-                <a:moveTo>
-                  <a:pt x="0" y="0"/>
-                </a:moveTo>
-                <a:lnTo>
-                  <a:pt x="120000" y="0"/>
-                </a:lnTo>
-                <a:lnTo>
-                  <a:pt x="120000" y="120000"/>
-                </a:lnTo>
-                <a:lnTo>
-                  <a:pt x="0" y="120000"/>
-                </a:lnTo>
-                <a:close/>
-              </a:path>
-            </a:pathLst>
-          </a:custGeom>
-        </p:spPr>
-      </p:sp>
-      <p:sp>
-        <p:nvSpPr>
-          <p:cNvPr id="57" name="Google Shape;57;p:notes"/>
-          <p:cNvSpPr txBox="1"/>
-          <p:nvPr>
-            <p:ph idx="1" type="body"/>
-          </p:nvPr>
-        </p:nvSpPr>
-        <p:spPr>
-          <a:xfrm>
-            <a:off x="685800" y="4343400"/>
-            <a:ext cx="5486400" cy="4114800"/>
-          </a:xfrm>
-          <a:prstGeom prst="rect">
-            <a:avLst/>
-          </a:prstGeom>
-        </p:spPr>
-        <p:txBody>
-          <a:bodyPr anchorCtr="0" anchor="t" bIns="91425" lIns="91425" spcFirstLastPara="1" rIns="91425" wrap="square" tIns="91425">
-            <a:noAutofit/>
-          </a:bodyPr>
-          <a:lstStyle/>
-          <a:p>
-            <a:pPr indent="0" lvl="0" marL="0" rtl="0" algn="l">
-              <a:spcBef>
-                <a:spcPts val="0"/>
-              </a:spcBef>
-              <a:spcAft>
-                <a:spcPts val="0"/>
-              </a:spcAft>
-              <a:buNone/>
-            </a:pPr>
-            <a:r>
-              <a:t/>
-            </a:r>
-            <a:endParaRPr/>
-          </a:p>
-        </p:txBody>
-      </p:sp>
-    </p:spTree>
-  </p:cSld>
-  <p:clrMapOvr>
-    <a:masterClrMapping/>
-  </p:clrMapOvr>
-</p:notes>
-</file>
-
-<file path=ppt/notesSlides/notesSlide3.xml><?xml version="1.0" encoding="utf-8"?>
-<p:notes xmlns:a="http://schemas.openxmlformats.org/drawingml/2006/main" xmlns:r="http://schemas.openxmlformats.org/officeDocument/2006/relationships" xmlns:mc="http://schemas.openxmlformats.org/markup-compatibility/2006" xmlns:mv="urn:schemas-microsoft-com:mac:vml" xmlns:p="http://schemas.openxmlformats.org/presentationml/2006/main" xmlns:c="http://schemas.openxmlformats.org/drawingml/2006/chart" xmlns:dgm="http://schemas.openxmlformats.org/drawingml/2006/diagram" xmlns:o="urn:schemas-microsoft-com:office:office" xmlns:v="urn:schemas-microsoft-com:vml" xmlns:pvml="urn:schemas-microsoft-com:office:powerpoint" xmlns:com="http://schemas.openxmlformats.org/drawingml/2006/compatibility" xmlns:p14="http://schemas.microsoft.com/office/powerpoint/2010/main" xmlns:p15="http://schemas.microsoft.com/office/powerpoint/2012/main" showMasterPhAnim="0" showMasterSp="0">
-  <p:cSld>
-    <p:spTree>
-      <p:nvGrpSpPr>
-        <p:cNvPr id="67" name="Shape 67"/>
-        <p:cNvGrpSpPr/>
-        <p:nvPr/>
-      </p:nvGrpSpPr>
-      <p:grpSpPr>
-        <a:xfrm>
-          <a:off x="0" y="0"/>
-          <a:ext cx="0" cy="0"/>
-          <a:chOff x="0" y="0"/>
-          <a:chExt cx="0" cy="0"/>
-        </a:xfrm>
-      </p:grpSpPr>
-      <p:sp>
-        <p:nvSpPr>
-          <p:cNvPr id="68" name="Google Shape;68;g463fbb947d_1_15:notes"/>
+          <p:cNvPr id="73" name="Google Shape;73;g463fbb947d_0_6:notes"/>
           <p:cNvSpPr/>
           <p:nvPr>
             <p:ph idx="2" type="sldImg"/>
@@ -926,7 +926,7 @@
       </p:sp>
       <p:sp>
         <p:nvSpPr>
-          <p:cNvPr id="69" name="Google Shape;69;g463fbb947d_1_15:notes"/>
+          <p:cNvPr id="74" name="Google Shape;74;g463fbb947d_0_6:notes"/>
           <p:cNvSpPr txBox="1"/>
           <p:nvPr>
             <p:ph idx="1" type="body"/>
@@ -976,7 +976,7 @@
   <p:cSld>
     <p:spTree>
       <p:nvGrpSpPr>
-        <p:cNvPr id="77" name="Shape 77"/>
+        <p:cNvPr id="78" name="Shape 78"/>
         <p:cNvGrpSpPr/>
         <p:nvPr/>
       </p:nvGrpSpPr>
@@ -990,7 +990,7 @@
       </p:grpSpPr>
       <p:sp>
         <p:nvSpPr>
-          <p:cNvPr id="78" name="Google Shape;78;g463fbb947d_0_6:notes"/>
+          <p:cNvPr id="79" name="Google Shape;79;g463fbb947d_0_12:notes"/>
           <p:cNvSpPr/>
           <p:nvPr>
             <p:ph idx="2" type="sldImg"/>
@@ -1025,7 +1025,7 @@
       </p:sp>
       <p:sp>
         <p:nvSpPr>
-          <p:cNvPr id="79" name="Google Shape;79;g463fbb947d_0_6:notes"/>
+          <p:cNvPr id="80" name="Google Shape;80;g463fbb947d_0_12:notes"/>
           <p:cNvSpPr txBox="1"/>
           <p:nvPr>
             <p:ph idx="1" type="body"/>
@@ -1075,7 +1075,7 @@
   <p:cSld>
     <p:spTree>
       <p:nvGrpSpPr>
-        <p:cNvPr id="83" name="Shape 83"/>
+        <p:cNvPr id="84" name="Shape 84"/>
         <p:cNvGrpSpPr/>
         <p:nvPr/>
       </p:nvGrpSpPr>
@@ -1089,7 +1089,7 @@
       </p:grpSpPr>
       <p:sp>
         <p:nvSpPr>
-          <p:cNvPr id="84" name="Google Shape;84;g463fbb947d_0_12:notes"/>
+          <p:cNvPr id="85" name="Google Shape;85;g463fbb947d_0_19:notes"/>
           <p:cNvSpPr/>
           <p:nvPr>
             <p:ph idx="2" type="sldImg"/>
@@ -1124,7 +1124,7 @@
       </p:sp>
       <p:sp>
         <p:nvSpPr>
-          <p:cNvPr id="85" name="Google Shape;85;g463fbb947d_0_12:notes"/>
+          <p:cNvPr id="86" name="Google Shape;86;g463fbb947d_0_19:notes"/>
           <p:cNvSpPr txBox="1"/>
           <p:nvPr>
             <p:ph idx="1" type="body"/>
@@ -1174,7 +1174,7 @@
   <p:cSld>
     <p:spTree>
       <p:nvGrpSpPr>
-        <p:cNvPr id="89" name="Shape 89"/>
+        <p:cNvPr id="90" name="Shape 90"/>
         <p:cNvGrpSpPr/>
         <p:nvPr/>
       </p:nvGrpSpPr>
@@ -1188,7 +1188,7 @@
       </p:grpSpPr>
       <p:sp>
         <p:nvSpPr>
-          <p:cNvPr id="90" name="Google Shape;90;g463fbb947d_0_19:notes"/>
+          <p:cNvPr id="91" name="Google Shape;91;g463fbb947d_0_27:notes"/>
           <p:cNvSpPr/>
           <p:nvPr>
             <p:ph idx="2" type="sldImg"/>
@@ -1223,7 +1223,7 @@
       </p:sp>
       <p:sp>
         <p:nvSpPr>
-          <p:cNvPr id="91" name="Google Shape;91;g463fbb947d_0_19:notes"/>
+          <p:cNvPr id="92" name="Google Shape;92;g463fbb947d_0_27:notes"/>
           <p:cNvSpPr txBox="1"/>
           <p:nvPr>
             <p:ph idx="1" type="body"/>
@@ -1273,7 +1273,7 @@
   <p:cSld>
     <p:spTree>
       <p:nvGrpSpPr>
-        <p:cNvPr id="95" name="Shape 95"/>
+        <p:cNvPr id="96" name="Shape 96"/>
         <p:cNvGrpSpPr/>
         <p:nvPr/>
       </p:nvGrpSpPr>
@@ -1287,7 +1287,7 @@
       </p:grpSpPr>
       <p:sp>
         <p:nvSpPr>
-          <p:cNvPr id="96" name="Google Shape;96;g463fbb947d_0_27:notes"/>
+          <p:cNvPr id="97" name="Google Shape;97;g463fbb947d_2_13:notes"/>
           <p:cNvSpPr/>
           <p:nvPr>
             <p:ph idx="2" type="sldImg"/>
@@ -1322,7 +1322,7 @@
       </p:sp>
       <p:sp>
         <p:nvSpPr>
-          <p:cNvPr id="97" name="Google Shape;97;g463fbb947d_0_27:notes"/>
+          <p:cNvPr id="98" name="Google Shape;98;g463fbb947d_2_13:notes"/>
           <p:cNvSpPr txBox="1"/>
           <p:nvPr>
             <p:ph idx="1" type="body"/>
@@ -6009,59 +6009,6 @@
         </p:blipFill>
         <p:spPr>
           <a:xfrm>
-            <a:off x="0" y="135100"/>
-            <a:ext cx="9144000" cy="5008400"/>
-          </a:xfrm>
-          <a:prstGeom prst="rect">
-            <a:avLst/>
-          </a:prstGeom>
-          <a:noFill/>
-          <a:ln>
-            <a:noFill/>
-          </a:ln>
-        </p:spPr>
-      </p:pic>
-    </p:spTree>
-  </p:cSld>
-  <p:clrMapOvr>
-    <a:masterClrMapping/>
-  </p:clrMapOvr>
-</p:sld>
-</file>
-
-<file path=ppt/slides/slide2.xml><?xml version="1.0" encoding="utf-8"?>
-<p:sld xmlns:a="http://schemas.openxmlformats.org/drawingml/2006/main" xmlns:r="http://schemas.openxmlformats.org/officeDocument/2006/relationships" xmlns:mc="http://schemas.openxmlformats.org/markup-compatibility/2006" xmlns:mv="urn:schemas-microsoft-com:mac:vml" xmlns:p="http://schemas.openxmlformats.org/presentationml/2006/main" xmlns:c="http://schemas.openxmlformats.org/drawingml/2006/chart" xmlns:dgm="http://schemas.openxmlformats.org/drawingml/2006/diagram" xmlns:o="urn:schemas-microsoft-com:office:office" xmlns:v="urn:schemas-microsoft-com:vml" xmlns:pvml="urn:schemas-microsoft-com:office:powerpoint" xmlns:com="http://schemas.openxmlformats.org/drawingml/2006/compatibility" xmlns:p14="http://schemas.microsoft.com/office/powerpoint/2010/main" xmlns:p15="http://schemas.microsoft.com/office/powerpoint/2012/main">
-  <p:cSld>
-    <p:spTree>
-      <p:nvGrpSpPr>
-        <p:cNvPr id="58" name="Shape 58"/>
-        <p:cNvGrpSpPr/>
-        <p:nvPr/>
-      </p:nvGrpSpPr>
-      <p:grpSpPr>
-        <a:xfrm>
-          <a:off x="0" y="0"/>
-          <a:ext cx="0" cy="0"/>
-          <a:chOff x="0" y="0"/>
-          <a:chExt cx="0" cy="0"/>
-        </a:xfrm>
-      </p:grpSpPr>
-      <p:pic>
-        <p:nvPicPr>
-          <p:cNvPr id="59" name="Google Shape;59;p14"/>
-          <p:cNvPicPr preferRelativeResize="0"/>
-          <p:nvPr/>
-        </p:nvPicPr>
-        <p:blipFill>
-          <a:blip r:embed="rId3">
-            <a:alphaModFix/>
-          </a:blip>
-          <a:stretch>
-            <a:fillRect/>
-          </a:stretch>
-        </p:blipFill>
-        <p:spPr>
-          <a:xfrm>
             <a:off x="152400" y="152400"/>
             <a:ext cx="4831904" cy="4838700"/>
           </a:xfrm>
@@ -6076,7 +6023,7 @@
       </p:pic>
       <p:pic>
         <p:nvPicPr>
-          <p:cNvPr id="60" name="Google Shape;60;p14"/>
+          <p:cNvPr id="55" name="Google Shape;55;p13"/>
           <p:cNvPicPr preferRelativeResize="0"/>
           <p:nvPr/>
         </p:nvPicPr>
@@ -6104,7 +6051,7 @@
       </p:pic>
       <p:pic>
         <p:nvPicPr>
-          <p:cNvPr id="61" name="Google Shape;61;p14"/>
+          <p:cNvPr id="56" name="Google Shape;56;p13"/>
           <p:cNvPicPr preferRelativeResize="0"/>
           <p:nvPr/>
         </p:nvPicPr>
@@ -6132,7 +6079,7 @@
       </p:pic>
       <p:pic>
         <p:nvPicPr>
-          <p:cNvPr id="62" name="Google Shape;62;p14"/>
+          <p:cNvPr id="57" name="Google Shape;57;p13"/>
           <p:cNvPicPr preferRelativeResize="0"/>
           <p:nvPr/>
         </p:nvPicPr>
@@ -6160,7 +6107,7 @@
       </p:pic>
       <p:cxnSp>
         <p:nvCxnSpPr>
-          <p:cNvPr id="63" name="Google Shape;63;p14"/>
+          <p:cNvPr id="58" name="Google Shape;58;p13"/>
           <p:cNvCxnSpPr/>
           <p:nvPr/>
         </p:nvCxnSpPr>
@@ -6186,7 +6133,7 @@
       </p:cxnSp>
       <p:sp>
         <p:nvSpPr>
-          <p:cNvPr id="64" name="Google Shape;64;p14"/>
+          <p:cNvPr id="59" name="Google Shape;59;p13"/>
           <p:cNvSpPr/>
           <p:nvPr/>
         </p:nvSpPr>
@@ -6233,7 +6180,7 @@
       </p:sp>
       <p:sp>
         <p:nvSpPr>
-          <p:cNvPr id="65" name="Google Shape;65;p14"/>
+          <p:cNvPr id="60" name="Google Shape;60;p13"/>
           <p:cNvSpPr/>
           <p:nvPr/>
         </p:nvSpPr>
@@ -6280,9 +6227,9 @@
       </p:sp>
       <p:cxnSp>
         <p:nvCxnSpPr>
-          <p:cNvPr id="66" name="Google Shape;66;p14"/>
+          <p:cNvPr id="61" name="Google Shape;61;p13"/>
           <p:cNvCxnSpPr>
-            <a:endCxn id="65" idx="7"/>
+            <a:endCxn id="60" idx="7"/>
           </p:cNvCxnSpPr>
           <p:nvPr/>
         </p:nvCxnSpPr>
@@ -6314,12 +6261,12 @@
 </p:sld>
 </file>
 
-<file path=ppt/slides/slide3.xml><?xml version="1.0" encoding="utf-8"?>
+<file path=ppt/slides/slide2.xml><?xml version="1.0" encoding="utf-8"?>
 <p:sld xmlns:a="http://schemas.openxmlformats.org/drawingml/2006/main" xmlns:r="http://schemas.openxmlformats.org/officeDocument/2006/relationships" xmlns:mc="http://schemas.openxmlformats.org/markup-compatibility/2006" xmlns:mv="urn:schemas-microsoft-com:mac:vml" xmlns:p="http://schemas.openxmlformats.org/presentationml/2006/main" xmlns:c="http://schemas.openxmlformats.org/drawingml/2006/chart" xmlns:dgm="http://schemas.openxmlformats.org/drawingml/2006/diagram" xmlns:o="urn:schemas-microsoft-com:office:office" xmlns:v="urn:schemas-microsoft-com:vml" xmlns:pvml="urn:schemas-microsoft-com:office:powerpoint" xmlns:com="http://schemas.openxmlformats.org/drawingml/2006/compatibility" xmlns:p14="http://schemas.microsoft.com/office/powerpoint/2010/main" xmlns:p15="http://schemas.microsoft.com/office/powerpoint/2012/main">
   <p:cSld>
     <p:spTree>
       <p:nvGrpSpPr>
-        <p:cNvPr id="70" name="Shape 70"/>
+        <p:cNvPr id="65" name="Shape 65"/>
         <p:cNvGrpSpPr/>
         <p:nvPr/>
       </p:nvGrpSpPr>
@@ -6333,7 +6280,7 @@
       </p:grpSpPr>
       <p:pic>
         <p:nvPicPr>
-          <p:cNvPr id="71" name="Google Shape;71;p15"/>
+          <p:cNvPr id="66" name="Google Shape;66;p14"/>
           <p:cNvPicPr preferRelativeResize="0"/>
           <p:nvPr/>
         </p:nvPicPr>
@@ -6361,7 +6308,7 @@
       </p:pic>
       <p:cxnSp>
         <p:nvCxnSpPr>
-          <p:cNvPr id="72" name="Google Shape;72;p15"/>
+          <p:cNvPr id="67" name="Google Shape;67;p14"/>
           <p:cNvCxnSpPr/>
           <p:nvPr/>
         </p:nvCxnSpPr>
@@ -6387,7 +6334,7 @@
       </p:cxnSp>
       <p:cxnSp>
         <p:nvCxnSpPr>
-          <p:cNvPr id="73" name="Google Shape;73;p15"/>
+          <p:cNvPr id="68" name="Google Shape;68;p14"/>
           <p:cNvCxnSpPr/>
           <p:nvPr/>
         </p:nvCxnSpPr>
@@ -6413,7 +6360,7 @@
       </p:cxnSp>
       <p:pic>
         <p:nvPicPr>
-          <p:cNvPr id="74" name="Google Shape;74;p15"/>
+          <p:cNvPr id="69" name="Google Shape;69;p14"/>
           <p:cNvPicPr preferRelativeResize="0"/>
           <p:nvPr/>
         </p:nvPicPr>
@@ -6441,7 +6388,7 @@
       </p:pic>
       <p:pic>
         <p:nvPicPr>
-          <p:cNvPr id="75" name="Google Shape;75;p15"/>
+          <p:cNvPr id="70" name="Google Shape;70;p14"/>
           <p:cNvPicPr preferRelativeResize="0"/>
           <p:nvPr/>
         </p:nvPicPr>
@@ -6469,7 +6416,7 @@
       </p:pic>
       <p:cxnSp>
         <p:nvCxnSpPr>
-          <p:cNvPr id="76" name="Google Shape;76;p15"/>
+          <p:cNvPr id="71" name="Google Shape;71;p14"/>
           <p:cNvCxnSpPr/>
           <p:nvPr/>
         </p:nvCxnSpPr>
@@ -6501,12 +6448,12 @@
 </p:sld>
 </file>
 
-<file path=ppt/slides/slide4.xml><?xml version="1.0" encoding="utf-8"?>
+<file path=ppt/slides/slide3.xml><?xml version="1.0" encoding="utf-8"?>
 <p:sld xmlns:a="http://schemas.openxmlformats.org/drawingml/2006/main" xmlns:r="http://schemas.openxmlformats.org/officeDocument/2006/relationships" xmlns:mc="http://schemas.openxmlformats.org/markup-compatibility/2006" xmlns:mv="urn:schemas-microsoft-com:mac:vml" xmlns:p="http://schemas.openxmlformats.org/presentationml/2006/main" xmlns:c="http://schemas.openxmlformats.org/drawingml/2006/chart" xmlns:dgm="http://schemas.openxmlformats.org/drawingml/2006/diagram" xmlns:o="urn:schemas-microsoft-com:office:office" xmlns:v="urn:schemas-microsoft-com:vml" xmlns:pvml="urn:schemas-microsoft-com:office:powerpoint" xmlns:com="http://schemas.openxmlformats.org/drawingml/2006/compatibility" xmlns:p14="http://schemas.microsoft.com/office/powerpoint/2010/main" xmlns:p15="http://schemas.microsoft.com/office/powerpoint/2012/main">
   <p:cSld>
     <p:spTree>
       <p:nvGrpSpPr>
-        <p:cNvPr id="80" name="Shape 80"/>
+        <p:cNvPr id="75" name="Shape 75"/>
         <p:cNvGrpSpPr/>
         <p:nvPr/>
       </p:nvGrpSpPr>
@@ -6520,7 +6467,7 @@
       </p:grpSpPr>
       <p:pic>
         <p:nvPicPr>
-          <p:cNvPr id="81" name="Google Shape;81;p16"/>
+          <p:cNvPr id="76" name="Google Shape;76;p15"/>
           <p:cNvPicPr preferRelativeResize="0"/>
           <p:nvPr/>
         </p:nvPicPr>
@@ -6548,7 +6495,7 @@
       </p:pic>
       <p:sp>
         <p:nvSpPr>
-          <p:cNvPr id="82" name="Google Shape;82;p16"/>
+          <p:cNvPr id="77" name="Google Shape;77;p15"/>
           <p:cNvSpPr txBox="1"/>
           <p:nvPr/>
         </p:nvSpPr>
@@ -6596,12 +6543,12 @@
 </p:sld>
 </file>
 
-<file path=ppt/slides/slide5.xml><?xml version="1.0" encoding="utf-8"?>
+<file path=ppt/slides/slide4.xml><?xml version="1.0" encoding="utf-8"?>
 <p:sld xmlns:a="http://schemas.openxmlformats.org/drawingml/2006/main" xmlns:r="http://schemas.openxmlformats.org/officeDocument/2006/relationships" xmlns:mc="http://schemas.openxmlformats.org/markup-compatibility/2006" xmlns:mv="urn:schemas-microsoft-com:mac:vml" xmlns:p="http://schemas.openxmlformats.org/presentationml/2006/main" xmlns:c="http://schemas.openxmlformats.org/drawingml/2006/chart" xmlns:dgm="http://schemas.openxmlformats.org/drawingml/2006/diagram" xmlns:o="urn:schemas-microsoft-com:office:office" xmlns:v="urn:schemas-microsoft-com:vml" xmlns:pvml="urn:schemas-microsoft-com:office:powerpoint" xmlns:com="http://schemas.openxmlformats.org/drawingml/2006/compatibility" xmlns:p14="http://schemas.microsoft.com/office/powerpoint/2010/main" xmlns:p15="http://schemas.microsoft.com/office/powerpoint/2012/main">
   <p:cSld>
     <p:spTree>
       <p:nvGrpSpPr>
-        <p:cNvPr id="86" name="Shape 86"/>
+        <p:cNvPr id="81" name="Shape 81"/>
         <p:cNvGrpSpPr/>
         <p:nvPr/>
       </p:nvGrpSpPr>
@@ -6615,7 +6562,7 @@
       </p:grpSpPr>
       <p:pic>
         <p:nvPicPr>
-          <p:cNvPr id="87" name="Google Shape;87;p17"/>
+          <p:cNvPr id="82" name="Google Shape;82;p16"/>
           <p:cNvPicPr preferRelativeResize="0"/>
           <p:nvPr/>
         </p:nvPicPr>
@@ -6643,6 +6590,77 @@
       </p:pic>
       <p:sp>
         <p:nvSpPr>
+          <p:cNvPr id="83" name="Google Shape;83;p16"/>
+          <p:cNvSpPr txBox="1"/>
+          <p:nvPr/>
+        </p:nvSpPr>
+        <p:spPr>
+          <a:xfrm>
+            <a:off x="1265300" y="162525"/>
+            <a:ext cx="6727800" cy="884700"/>
+          </a:xfrm>
+          <a:prstGeom prst="rect">
+            <a:avLst/>
+          </a:prstGeom>
+          <a:noFill/>
+          <a:ln>
+            <a:noFill/>
+          </a:ln>
+        </p:spPr>
+        <p:txBody>
+          <a:bodyPr anchorCtr="0" anchor="t" bIns="91425" lIns="91425" spcFirstLastPara="1" rIns="91425" wrap="square" tIns="91425">
+            <a:noAutofit/>
+          </a:bodyPr>
+          <a:lstStyle/>
+          <a:p>
+            <a:pPr indent="0" lvl="0" marL="0" rtl="0" algn="ctr">
+              <a:spcBef>
+                <a:spcPts val="0"/>
+              </a:spcBef>
+              <a:spcAft>
+                <a:spcPts val="0"/>
+              </a:spcAft>
+              <a:buNone/>
+            </a:pPr>
+            <a:r>
+              <a:rPr lang="en" sz="3000"/>
+              <a:t>Ridge </a:t>
+            </a:r>
+            <a:r>
+              <a:rPr lang="en" sz="3000"/>
+              <a:t>Regression</a:t>
+            </a:r>
+            <a:endParaRPr sz="3000"/>
+          </a:p>
+        </p:txBody>
+      </p:sp>
+    </p:spTree>
+  </p:cSld>
+  <p:clrMapOvr>
+    <a:masterClrMapping/>
+  </p:clrMapOvr>
+</p:sld>
+</file>
+
+<file path=ppt/slides/slide5.xml><?xml version="1.0" encoding="utf-8"?>
+<p:sld xmlns:a="http://schemas.openxmlformats.org/drawingml/2006/main" xmlns:r="http://schemas.openxmlformats.org/officeDocument/2006/relationships" xmlns:mc="http://schemas.openxmlformats.org/markup-compatibility/2006" xmlns:mv="urn:schemas-microsoft-com:mac:vml" xmlns:p="http://schemas.openxmlformats.org/presentationml/2006/main" xmlns:c="http://schemas.openxmlformats.org/drawingml/2006/chart" xmlns:dgm="http://schemas.openxmlformats.org/drawingml/2006/diagram" xmlns:o="urn:schemas-microsoft-com:office:office" xmlns:v="urn:schemas-microsoft-com:vml" xmlns:pvml="urn:schemas-microsoft-com:office:powerpoint" xmlns:com="http://schemas.openxmlformats.org/drawingml/2006/compatibility" xmlns:p14="http://schemas.microsoft.com/office/powerpoint/2010/main" xmlns:p15="http://schemas.microsoft.com/office/powerpoint/2012/main">
+  <p:cSld>
+    <p:spTree>
+      <p:nvGrpSpPr>
+        <p:cNvPr id="87" name="Shape 87"/>
+        <p:cNvGrpSpPr/>
+        <p:nvPr/>
+      </p:nvGrpSpPr>
+      <p:grpSpPr>
+        <a:xfrm>
+          <a:off x="0" y="0"/>
+          <a:ext cx="0" cy="0"/>
+          <a:chOff x="0" y="0"/>
+          <a:chExt cx="0" cy="0"/>
+        </a:xfrm>
+      </p:grpSpPr>
+      <p:sp>
+        <p:nvSpPr>
           <p:cNvPr id="88" name="Google Shape;88;p17"/>
           <p:cNvSpPr txBox="1"/>
           <p:nvPr/>
@@ -6677,77 +6695,6 @@
             </a:pPr>
             <a:r>
               <a:rPr lang="en" sz="3000"/>
-              <a:t>Ridge </a:t>
-            </a:r>
-            <a:r>
-              <a:rPr lang="en" sz="3000"/>
-              <a:t>Regression</a:t>
-            </a:r>
-            <a:endParaRPr sz="3000"/>
-          </a:p>
-        </p:txBody>
-      </p:sp>
-    </p:spTree>
-  </p:cSld>
-  <p:clrMapOvr>
-    <a:masterClrMapping/>
-  </p:clrMapOvr>
-</p:sld>
-</file>
-
-<file path=ppt/slides/slide6.xml><?xml version="1.0" encoding="utf-8"?>
-<p:sld xmlns:a="http://schemas.openxmlformats.org/drawingml/2006/main" xmlns:r="http://schemas.openxmlformats.org/officeDocument/2006/relationships" xmlns:mc="http://schemas.openxmlformats.org/markup-compatibility/2006" xmlns:mv="urn:schemas-microsoft-com:mac:vml" xmlns:p="http://schemas.openxmlformats.org/presentationml/2006/main" xmlns:c="http://schemas.openxmlformats.org/drawingml/2006/chart" xmlns:dgm="http://schemas.openxmlformats.org/drawingml/2006/diagram" xmlns:o="urn:schemas-microsoft-com:office:office" xmlns:v="urn:schemas-microsoft-com:vml" xmlns:pvml="urn:schemas-microsoft-com:office:powerpoint" xmlns:com="http://schemas.openxmlformats.org/drawingml/2006/compatibility" xmlns:p14="http://schemas.microsoft.com/office/powerpoint/2010/main" xmlns:p15="http://schemas.microsoft.com/office/powerpoint/2012/main">
-  <p:cSld>
-    <p:spTree>
-      <p:nvGrpSpPr>
-        <p:cNvPr id="92" name="Shape 92"/>
-        <p:cNvGrpSpPr/>
-        <p:nvPr/>
-      </p:nvGrpSpPr>
-      <p:grpSpPr>
-        <a:xfrm>
-          <a:off x="0" y="0"/>
-          <a:ext cx="0" cy="0"/>
-          <a:chOff x="0" y="0"/>
-          <a:chExt cx="0" cy="0"/>
-        </a:xfrm>
-      </p:grpSpPr>
-      <p:sp>
-        <p:nvSpPr>
-          <p:cNvPr id="93" name="Google Shape;93;p18"/>
-          <p:cNvSpPr txBox="1"/>
-          <p:nvPr/>
-        </p:nvSpPr>
-        <p:spPr>
-          <a:xfrm>
-            <a:off x="1265300" y="162525"/>
-            <a:ext cx="6727800" cy="884700"/>
-          </a:xfrm>
-          <a:prstGeom prst="rect">
-            <a:avLst/>
-          </a:prstGeom>
-          <a:noFill/>
-          <a:ln>
-            <a:noFill/>
-          </a:ln>
-        </p:spPr>
-        <p:txBody>
-          <a:bodyPr anchorCtr="0" anchor="t" bIns="91425" lIns="91425" spcFirstLastPara="1" rIns="91425" wrap="square" tIns="91425">
-            <a:noAutofit/>
-          </a:bodyPr>
-          <a:lstStyle/>
-          <a:p>
-            <a:pPr indent="0" lvl="0" marL="0" rtl="0" algn="ctr">
-              <a:spcBef>
-                <a:spcPts val="0"/>
-              </a:spcBef>
-              <a:spcAft>
-                <a:spcPts val="0"/>
-              </a:spcAft>
-              <a:buNone/>
-            </a:pPr>
-            <a:r>
-              <a:rPr lang="en" sz="3000"/>
               <a:t>Random Forest Feature </a:t>
             </a:r>
             <a:r>
@@ -6760,7 +6707,7 @@
       </p:sp>
       <p:graphicFrame>
         <p:nvGraphicFramePr>
-          <p:cNvPr id="94" name="Google Shape;94;p18"/>
+          <p:cNvPr id="89" name="Google Shape;89;p17"/>
           <p:cNvGraphicFramePr/>
           <p:nvPr/>
         </p:nvGraphicFramePr>
@@ -6773,7 +6720,7 @@
             <a:tbl>
               <a:tblPr>
                 <a:noFill/>
-                <a:tableStyleId>{A3354F8B-3606-4DF4-A0C6-A6BD8E99832A}</a:tableStyleId>
+                <a:tableStyleId>{59588D0A-83E2-464F-B495-0CBAC501E74A}</a:tableStyleId>
               </a:tblPr>
               <a:tblGrid>
                 <a:gridCol w="3619500"/>
@@ -7021,12 +6968,12 @@
 </p:sld>
 </file>
 
-<file path=ppt/slides/slide7.xml><?xml version="1.0" encoding="utf-8"?>
+<file path=ppt/slides/slide6.xml><?xml version="1.0" encoding="utf-8"?>
 <p:sld xmlns:a="http://schemas.openxmlformats.org/drawingml/2006/main" xmlns:r="http://schemas.openxmlformats.org/officeDocument/2006/relationships" xmlns:mc="http://schemas.openxmlformats.org/markup-compatibility/2006" xmlns:mv="urn:schemas-microsoft-com:mac:vml" xmlns:p="http://schemas.openxmlformats.org/presentationml/2006/main" xmlns:c="http://schemas.openxmlformats.org/drawingml/2006/chart" xmlns:dgm="http://schemas.openxmlformats.org/drawingml/2006/diagram" xmlns:o="urn:schemas-microsoft-com:office:office" xmlns:v="urn:schemas-microsoft-com:vml" xmlns:pvml="urn:schemas-microsoft-com:office:powerpoint" xmlns:com="http://schemas.openxmlformats.org/drawingml/2006/compatibility" xmlns:p14="http://schemas.microsoft.com/office/powerpoint/2010/main" xmlns:p15="http://schemas.microsoft.com/office/powerpoint/2012/main">
   <p:cSld>
     <p:spTree>
       <p:nvGrpSpPr>
-        <p:cNvPr id="98" name="Shape 98"/>
+        <p:cNvPr id="93" name="Shape 93"/>
         <p:cNvGrpSpPr/>
         <p:nvPr/>
       </p:nvGrpSpPr>
@@ -7040,7 +6987,7 @@
       </p:grpSpPr>
       <p:sp>
         <p:nvSpPr>
-          <p:cNvPr id="99" name="Google Shape;99;p19"/>
+          <p:cNvPr id="94" name="Google Shape;94;p18"/>
           <p:cNvSpPr txBox="1"/>
           <p:nvPr/>
         </p:nvSpPr>
@@ -7082,7 +7029,7 @@
       </p:sp>
       <p:graphicFrame>
         <p:nvGraphicFramePr>
-          <p:cNvPr id="100" name="Google Shape;100;p19"/>
+          <p:cNvPr id="95" name="Google Shape;95;p18"/>
           <p:cNvGraphicFramePr/>
           <p:nvPr/>
         </p:nvGraphicFramePr>
@@ -7095,7 +7042,7 @@
             <a:tbl>
               <a:tblPr>
                 <a:noFill/>
-                <a:tableStyleId>{A3354F8B-3606-4DF4-A0C6-A6BD8E99832A}</a:tableStyleId>
+                <a:tableStyleId>{59588D0A-83E2-464F-B495-0CBAC501E74A}</a:tableStyleId>
               </a:tblPr>
               <a:tblGrid>
                 <a:gridCol w="1034150"/>
@@ -7508,7 +7455,7 @@
                       </a:pPr>
                       <a:r>
                         <a:rPr lang="en"/>
-                        <a:t>0.846</a:t>
+                        <a:t>0.211</a:t>
                       </a:r>
                       <a:endParaRPr/>
                     </a:p>
@@ -7822,6 +7769,59 @@
           </a:graphicData>
         </a:graphic>
       </p:graphicFrame>
+    </p:spTree>
+  </p:cSld>
+  <p:clrMapOvr>
+    <a:masterClrMapping/>
+  </p:clrMapOvr>
+</p:sld>
+</file>
+
+<file path=ppt/slides/slide7.xml><?xml version="1.0" encoding="utf-8"?>
+<p:sld xmlns:a="http://schemas.openxmlformats.org/drawingml/2006/main" xmlns:r="http://schemas.openxmlformats.org/officeDocument/2006/relationships" xmlns:mc="http://schemas.openxmlformats.org/markup-compatibility/2006" xmlns:mv="urn:schemas-microsoft-com:mac:vml" xmlns:p="http://schemas.openxmlformats.org/presentationml/2006/main" xmlns:c="http://schemas.openxmlformats.org/drawingml/2006/chart" xmlns:dgm="http://schemas.openxmlformats.org/drawingml/2006/diagram" xmlns:o="urn:schemas-microsoft-com:office:office" xmlns:v="urn:schemas-microsoft-com:vml" xmlns:pvml="urn:schemas-microsoft-com:office:powerpoint" xmlns:com="http://schemas.openxmlformats.org/drawingml/2006/compatibility" xmlns:p14="http://schemas.microsoft.com/office/powerpoint/2010/main" xmlns:p15="http://schemas.microsoft.com/office/powerpoint/2012/main">
+  <p:cSld>
+    <p:spTree>
+      <p:nvGrpSpPr>
+        <p:cNvPr id="99" name="Shape 99"/>
+        <p:cNvGrpSpPr/>
+        <p:nvPr/>
+      </p:nvGrpSpPr>
+      <p:grpSpPr>
+        <a:xfrm>
+          <a:off x="0" y="0"/>
+          <a:ext cx="0" cy="0"/>
+          <a:chOff x="0" y="0"/>
+          <a:chExt cx="0" cy="0"/>
+        </a:xfrm>
+      </p:grpSpPr>
+      <p:pic>
+        <p:nvPicPr>
+          <p:cNvPr id="100" name="Google Shape;100;p19"/>
+          <p:cNvPicPr preferRelativeResize="0"/>
+          <p:nvPr/>
+        </p:nvPicPr>
+        <p:blipFill>
+          <a:blip r:embed="rId3">
+            <a:alphaModFix/>
+          </a:blip>
+          <a:stretch>
+            <a:fillRect/>
+          </a:stretch>
+        </p:blipFill>
+        <p:spPr>
+          <a:xfrm>
+            <a:off x="0" y="135100"/>
+            <a:ext cx="9144000" cy="5008400"/>
+          </a:xfrm>
+          <a:prstGeom prst="rect">
+            <a:avLst/>
+          </a:prstGeom>
+          <a:noFill/>
+          <a:ln>
+            <a:noFill/>
+          </a:ln>
+        </p:spPr>
+      </p:pic>
     </p:spTree>
   </p:cSld>
   <p:clrMapOvr>
